--- a/features/steps/test_files/txt-text.pptx
+++ b/features/steps/test_files/txt-text.pptx
@@ -6,6 +6,7 @@
   </p:sldMasterIdLst>
   <p:sldIdLst>
     <p:sldId id="256" r:id="rId2"/>
+    <p:sldId id="257" r:id="rId3"/>
   </p:sldIdLst>
   <p:sldSz cx="9144000" cy="6858000" type="screen4x3"/>
   <p:notesSz cx="6858000" cy="9144000"/>
@@ -439,7 +440,7 @@
         <p:spPr>
           <a:xfrm>
             <a:off x="899592" y="1124744"/>
-            <a:ext cx="967896" cy="923330"/>
+            <a:ext cx="1226455" cy="1200329"/>
           </a:xfrm>
           <a:prstGeom prst="rect">
             <a:avLst/>
@@ -478,6 +479,15 @@
               <a:rPr lang="en-US" smtClean="0"/>
               <a:t>1</a:t>
             </a:fld>
+            <a:endParaRPr lang="en-US" dirty="0" smtClean="0"/>
+          </a:p>
+          <a:p>
+            <a:r>
+              <a:rPr lang="en-US" smtClean="0">
+                <a:hlinkClick r:id="rId2"/>
+              </a:rPr>
+              <a:t>yahoo.com</a:t>
+            </a:r>
             <a:endParaRPr lang="en-US" dirty="0"/>
           </a:p>
         </p:txBody>
@@ -486,6 +496,116 @@
     <p:extLst>
       <p:ext uri="{BB962C8B-B14F-4D97-AF65-F5344CB8AC3E}">
         <p14:creationId xmlns:p14="http://schemas.microsoft.com/office/powerpoint/2010/main" val="1506430799"/>
+      </p:ext>
+    </p:extLst>
+  </p:cSld>
+  <p:clrMapOvr>
+    <a:masterClrMapping/>
+  </p:clrMapOvr>
+</p:sld>
+</file>
+
+<file path=ppt/slides/slide2.xml><?xml version="1.0" encoding="utf-8"?>
+<p:sld xmlns:a="http://schemas.openxmlformats.org/drawingml/2006/main" xmlns:r="http://schemas.openxmlformats.org/officeDocument/2006/relationships" xmlns:p="http://schemas.openxmlformats.org/presentationml/2006/main">
+  <p:cSld>
+    <p:spTree>
+      <p:nvGrpSpPr>
+        <p:cNvPr id="1" name=""/>
+        <p:cNvGrpSpPr/>
+        <p:nvPr/>
+      </p:nvGrpSpPr>
+      <p:grpSpPr>
+        <a:xfrm>
+          <a:off x="0" y="0"/>
+          <a:ext cx="0" cy="0"/>
+          <a:chOff x="0" y="0"/>
+          <a:chExt cx="0" cy="0"/>
+        </a:xfrm>
+      </p:grpSpPr>
+      <p:graphicFrame>
+        <p:nvGraphicFramePr>
+          <p:cNvPr id="2" name="Table 1"/>
+          <p:cNvGraphicFramePr>
+            <a:graphicFrameLocks noGrp="1"/>
+          </p:cNvGraphicFramePr>
+          <p:nvPr>
+            <p:extLst>
+              <p:ext uri="{D42A27DB-BD31-4B8C-83A1-F6EECF244321}">
+                <p14:modId xmlns:p14="http://schemas.microsoft.com/office/powerpoint/2010/main" val="3994547037"/>
+              </p:ext>
+            </p:extLst>
+          </p:nvPr>
+        </p:nvGraphicFramePr>
+        <p:xfrm>
+          <a:off x="1524000" y="1397000"/>
+          <a:ext cx="6096000" cy="741680"/>
+        </p:xfrm>
+        <a:graphic>
+          <a:graphicData uri="http://schemas.openxmlformats.org/drawingml/2006/table">
+            <a:tbl>
+              <a:tblPr firstRow="1" bandRow="1">
+                <a:tableStyleId>{5C22544A-7EE6-4342-B048-85BDC9FD1C3A}</a:tableStyleId>
+              </a:tblPr>
+              <a:tblGrid>
+                <a:gridCol w="3048000"/>
+                <a:gridCol w="3048000"/>
+              </a:tblGrid>
+              <a:tr h="370840">
+                <a:tc>
+                  <a:txBody>
+                    <a:bodyPr/>
+                    <a:lstStyle/>
+                    <a:p>
+                      <a:r>
+                        <a:rPr lang="en-US" dirty="0" smtClean="0"/>
+                        <a:t>Text run in table cell</a:t>
+                      </a:r>
+                      <a:endParaRPr lang="en-US" dirty="0"/>
+                    </a:p>
+                  </a:txBody>
+                  <a:tcPr/>
+                </a:tc>
+                <a:tc>
+                  <a:txBody>
+                    <a:bodyPr/>
+                    <a:lstStyle/>
+                    <a:p>
+                      <a:endParaRPr lang="en-US"/>
+                    </a:p>
+                  </a:txBody>
+                  <a:tcPr/>
+                </a:tc>
+              </a:tr>
+              <a:tr h="370840">
+                <a:tc>
+                  <a:txBody>
+                    <a:bodyPr/>
+                    <a:lstStyle/>
+                    <a:p>
+                      <a:endParaRPr lang="en-US"/>
+                    </a:p>
+                  </a:txBody>
+                  <a:tcPr/>
+                </a:tc>
+                <a:tc>
+                  <a:txBody>
+                    <a:bodyPr/>
+                    <a:lstStyle/>
+                    <a:p>
+                      <a:endParaRPr lang="en-US" dirty="0"/>
+                    </a:p>
+                  </a:txBody>
+                  <a:tcPr/>
+                </a:tc>
+              </a:tr>
+            </a:tbl>
+          </a:graphicData>
+        </a:graphic>
+      </p:graphicFrame>
+    </p:spTree>
+    <p:extLst>
+      <p:ext uri="{BB962C8B-B14F-4D97-AF65-F5344CB8AC3E}">
+        <p14:creationId xmlns:p14="http://schemas.microsoft.com/office/powerpoint/2010/main" val="1499760946"/>
       </p:ext>
     </p:extLst>
   </p:cSld>

--- a/features/steps/test_files/txt-text.pptx
+++ b/features/steps/test_files/txt-text.pptx
@@ -105,6 +105,22 @@
       </a:defRPr>
     </a:lvl9pPr>
   </p:defaultTextStyle>
+  <p:extLst>
+    <p:ext uri="{EFAFB233-063F-42B5-8137-9DF3F51BA10A}">
+      <p15:sldGuideLst xmlns:p15="http://schemas.microsoft.com/office/powerpoint/2012/main">
+        <p15:guide id="1" orient="horz" pos="2160">
+          <p15:clr>
+            <a:srgbClr val="A4A3A4"/>
+          </p15:clr>
+        </p15:guide>
+        <p15:guide id="2" pos="2880">
+          <p15:clr>
+            <a:srgbClr val="A4A3A4"/>
+          </p15:clr>
+        </p15:guide>
+      </p15:sldGuideLst>
+    </p:ext>
+  </p:extLst>
 </p:presentation>
 </file>
 
@@ -454,41 +470,97 @@
           <a:lstStyle/>
           <a:p>
             <a:r>
-              <a:rPr lang="en-US" dirty="0" smtClean="0"/>
+              <a:rPr lang="en-US" dirty="0"/>
               <a:t> Foo Bar </a:t>
             </a:r>
             <a:br>
-              <a:rPr lang="en-US" dirty="0" smtClean="0"/>
+              <a:rPr lang="en-US" dirty="0"/>
             </a:br>
             <a:r>
-              <a:rPr lang="en-US" dirty="0" smtClean="0"/>
+              <a:rPr lang="en-US" dirty="0"/>
               <a:t> </a:t>
             </a:r>
             <a:r>
-              <a:rPr lang="en-US" dirty="0" err="1" smtClean="0"/>
+              <a:rPr lang="en-US" dirty="0" err="1"/>
               <a:t>Baz</a:t>
             </a:r>
             <a:r>
-              <a:rPr lang="en-US" dirty="0" smtClean="0"/>
+              <a:rPr lang="en-US" dirty="0"/>
               <a:t> Zoo </a:t>
             </a:r>
             <a:br>
-              <a:rPr lang="en-US" dirty="0" smtClean="0"/>
+              <a:rPr lang="en-US" dirty="0"/>
             </a:br>
             <a:fld id="{4ACDC551-8A53-AE47-95A7-4A2F0C1FFF1B}" type="slidenum">
               <a:rPr lang="en-US" smtClean="0"/>
               <a:t>1</a:t>
             </a:fld>
-            <a:endParaRPr lang="en-US" dirty="0" smtClean="0"/>
+            <a:endParaRPr lang="en-US" dirty="0"/>
           </a:p>
           <a:p>
             <a:r>
-              <a:rPr lang="en-US" smtClean="0">
+              <a:rPr lang="en-US">
                 <a:hlinkClick r:id="rId2"/>
               </a:rPr>
               <a:t>yahoo.com</a:t>
             </a:r>
             <a:endParaRPr lang="en-US" dirty="0"/>
+          </a:p>
+        </p:txBody>
+      </p:sp>
+      <p:sp>
+        <p:nvSpPr>
+          <p:cNvPr id="3" name="TextBox 2">
+            <a:extLst>
+              <a:ext uri="{FF2B5EF4-FFF2-40B4-BE49-F238E27FC236}">
+                <a16:creationId xmlns:a16="http://schemas.microsoft.com/office/drawing/2014/main" id="{463239B3-87E0-7B48-9E36-0A93A1F0D186}"/>
+              </a:ext>
+            </a:extLst>
+          </p:cNvPr>
+          <p:cNvSpPr txBox="1"/>
+          <p:nvPr/>
+        </p:nvSpPr>
+        <p:spPr>
+          <a:xfrm>
+            <a:off x="3995936" y="1124744"/>
+            <a:ext cx="514885" cy="1200329"/>
+          </a:xfrm>
+          <a:prstGeom prst="rect">
+            <a:avLst/>
+          </a:prstGeom>
+          <a:noFill/>
+        </p:spPr>
+        <p:txBody>
+          <a:bodyPr wrap="none" rtlCol="0">
+            <a:spAutoFit/>
+          </a:bodyPr>
+          <a:lstStyle/>
+          <a:p>
+            <a:r>
+              <a:rPr lang="en-US" dirty="0" err="1"/>
+              <a:t>abc</a:t>
+            </a:r>
+            <a:endParaRPr lang="en-US" dirty="0"/>
+          </a:p>
+          <a:p>
+            <a:r>
+              <a:rPr lang="en-US" dirty="0"/>
+              <a:t>a</a:t>
+            </a:r>
+            <a:br>
+              <a:rPr lang="en-US" dirty="0"/>
+            </a:br>
+            <a:r>
+              <a:rPr lang="en-US" dirty="0"/>
+              <a:t>b</a:t>
+            </a:r>
+            <a:br>
+              <a:rPr lang="en-US" dirty="0"/>
+            </a:br>
+            <a:r>
+              <a:rPr lang="en-US" dirty="0"/>
+              <a:t>c</a:t>
+            </a:r>
           </a:p>
         </p:txBody>
       </p:sp>
@@ -547,8 +619,20 @@
                 <a:tableStyleId>{5C22544A-7EE6-4342-B048-85BDC9FD1C3A}</a:tableStyleId>
               </a:tblPr>
               <a:tblGrid>
-                <a:gridCol w="3048000"/>
-                <a:gridCol w="3048000"/>
+                <a:gridCol w="3048000">
+                  <a:extLst>
+                    <a:ext uri="{9D8B030D-6E8A-4147-A177-3AD203B41FA5}">
+                      <a16:colId xmlns:a16="http://schemas.microsoft.com/office/drawing/2014/main" val="20000"/>
+                    </a:ext>
+                  </a:extLst>
+                </a:gridCol>
+                <a:gridCol w="3048000">
+                  <a:extLst>
+                    <a:ext uri="{9D8B030D-6E8A-4147-A177-3AD203B41FA5}">
+                      <a16:colId xmlns:a16="http://schemas.microsoft.com/office/drawing/2014/main" val="20001"/>
+                    </a:ext>
+                  </a:extLst>
+                </a:gridCol>
               </a:tblGrid>
               <a:tr h="370840">
                 <a:tc>
@@ -557,10 +641,9 @@
                     <a:lstStyle/>
                     <a:p>
                       <a:r>
-                        <a:rPr lang="en-US" dirty="0" smtClean="0"/>
+                        <a:rPr lang="en-US" dirty="0"/>
                         <a:t>Text run in table cell</a:t>
                       </a:r>
-                      <a:endParaRPr lang="en-US" dirty="0"/>
                     </a:p>
                   </a:txBody>
                   <a:tcPr/>
@@ -575,6 +658,11 @@
                   </a:txBody>
                   <a:tcPr/>
                 </a:tc>
+                <a:extLst>
+                  <a:ext uri="{0D108BD9-81ED-4DB2-BD59-A6C34878D82A}">
+                    <a16:rowId xmlns:a16="http://schemas.microsoft.com/office/drawing/2014/main" val="10000"/>
+                  </a:ext>
+                </a:extLst>
               </a:tr>
               <a:tr h="370840">
                 <a:tc>
@@ -597,6 +685,11 @@
                   </a:txBody>
                   <a:tcPr/>
                 </a:tc>
+                <a:extLst>
+                  <a:ext uri="{0D108BD9-81ED-4DB2-BD59-A6C34878D82A}">
+                    <a16:rowId xmlns:a16="http://schemas.microsoft.com/office/drawing/2014/main" val="10001"/>
+                  </a:ext>
+                </a:extLst>
               </a:tr>
             </a:tbl>
           </a:graphicData>
